--- a/presentacionEvolutiva.pptx
+++ b/presentacionEvolutiva.pptx
@@ -25,14 +25,14 @@
   <p:notesSz cx="6858000" cy="9144000"/>
   <p:embeddedFontLst>
     <p:embeddedFont>
-      <p:font typeface="Titillium Web" charset="0"/>
+      <p:font typeface="Titillium Web" panose="020B0604020202020204" charset="0"/>
       <p:regular r:id="rId15"/>
       <p:bold r:id="rId16"/>
       <p:italic r:id="rId17"/>
       <p:boldItalic r:id="rId18"/>
     </p:embeddedFont>
     <p:embeddedFont>
-      <p:font typeface="Titillium Web Light" charset="0"/>
+      <p:font typeface="Titillium Web Light" panose="020B0604020202020204" charset="0"/>
       <p:regular r:id="rId19"/>
       <p:bold r:id="rId20"/>
       <p:italic r:id="rId21"/>
@@ -268,11 +268,27 @@
       </a:defRPr>
     </a:lvl9pPr>
   </p:defaultTextStyle>
+  <p:extLst>
+    <p:ext uri="{EFAFB233-063F-42B5-8137-9DF3F51BA10A}">
+      <p15:sldGuideLst xmlns:p15="http://schemas.microsoft.com/office/powerpoint/2012/main">
+        <p15:guide id="1" orient="horz" pos="1620">
+          <p15:clr>
+            <a:srgbClr val="A4A3A4"/>
+          </p15:clr>
+        </p15:guide>
+        <p15:guide id="2" pos="2880">
+          <p15:clr>
+            <a:srgbClr val="A4A3A4"/>
+          </p15:clr>
+        </p15:guide>
+      </p15:sldGuideLst>
+    </p:ext>
+  </p:extLst>
 </p:presentation>
 </file>
 
 <file path=ppt/charts/chart1.xml><?xml version="1.0" encoding="utf-8"?>
-<c:chartSpace xmlns:c="http://schemas.openxmlformats.org/drawingml/2006/chart" xmlns:a="http://schemas.openxmlformats.org/drawingml/2006/main" xmlns:r="http://schemas.openxmlformats.org/officeDocument/2006/relationships">
+<c:chartSpace xmlns:c="http://schemas.openxmlformats.org/drawingml/2006/chart" xmlns:a="http://schemas.openxmlformats.org/drawingml/2006/main" xmlns:r="http://schemas.openxmlformats.org/officeDocument/2006/relationships" xmlns:c16r2="http://schemas.microsoft.com/office/drawing/2015/06/chart">
   <c:date1904 val="0"/>
   <c:lang val="es-ES"/>
   <c:roundedCorners val="0"/>
@@ -316,7 +332,6 @@
           </a:p>
         </c:rich>
       </c:tx>
-      <c:layout/>
       <c:overlay val="0"/>
       <c:spPr>
         <a:noFill/>
@@ -986,7 +1001,7 @@
             </c:numRef>
           </c:val>
           <c:smooth val="0"/>
-          <c:extLst xmlns:c16r2="http://schemas.microsoft.com/office/drawing/2015/06/chart">
+          <c:extLst>
             <c:ext xmlns:c16="http://schemas.microsoft.com/office/drawing/2014/chart" uri="{C3380CC4-5D6E-409C-BE32-E72D297353CC}">
               <c16:uniqueId val="{00000001-4AF8-4728-867E-F132677655B2}"/>
             </c:ext>
@@ -1646,7 +1661,7 @@
             </c:numRef>
           </c:val>
           <c:smooth val="0"/>
-          <c:extLst xmlns:c16r2="http://schemas.microsoft.com/office/drawing/2015/06/chart">
+          <c:extLst>
             <c:ext xmlns:c16="http://schemas.microsoft.com/office/drawing/2014/chart" uri="{C3380CC4-5D6E-409C-BE32-E72D297353CC}">
               <c16:uniqueId val="{00000002-4AF8-4728-867E-F132677655B2}"/>
             </c:ext>
@@ -2306,7 +2321,7 @@
             </c:numRef>
           </c:val>
           <c:smooth val="0"/>
-          <c:extLst xmlns:c16r2="http://schemas.microsoft.com/office/drawing/2015/06/chart">
+          <c:extLst>
             <c:ext xmlns:c16="http://schemas.microsoft.com/office/drawing/2014/chart" uri="{C3380CC4-5D6E-409C-BE32-E72D297353CC}">
               <c16:uniqueId val="{00000003-4AF8-4728-867E-F132677655B2}"/>
             </c:ext>
@@ -2966,7 +2981,7 @@
             </c:numRef>
           </c:val>
           <c:smooth val="0"/>
-          <c:extLst xmlns:c16r2="http://schemas.microsoft.com/office/drawing/2015/06/chart">
+          <c:extLst>
             <c:ext xmlns:c16="http://schemas.microsoft.com/office/drawing/2014/chart" uri="{C3380CC4-5D6E-409C-BE32-E72D297353CC}">
               <c16:uniqueId val="{00000004-4AF8-4728-867E-F132677655B2}"/>
             </c:ext>
@@ -3626,7 +3641,7 @@
             </c:numRef>
           </c:val>
           <c:smooth val="0"/>
-          <c:extLst xmlns:c16r2="http://schemas.microsoft.com/office/drawing/2015/06/chart">
+          <c:extLst>
             <c:ext xmlns:c16="http://schemas.microsoft.com/office/drawing/2014/chart" uri="{C3380CC4-5D6E-409C-BE32-E72D297353CC}">
               <c16:uniqueId val="{00000005-4AF8-4728-867E-F132677655B2}"/>
             </c:ext>
@@ -3778,7 +3793,6 @@
     </c:plotArea>
     <c:legend>
       <c:legendPos val="b"/>
-      <c:layout/>
       <c:overlay val="0"/>
       <c:spPr>
         <a:noFill/>
@@ -3810,14 +3824,14 @@
     </c:legend>
     <c:plotVisOnly val="1"/>
     <c:dispBlanksAs val="gap"/>
-    <c:showDLblsOverMax val="0"/>
-    <c:extLst xmlns:c16r2="http://schemas.microsoft.com/office/drawing/2015/06/chart">
+    <c:extLst>
       <c:ext xmlns:c16r3="http://schemas.microsoft.com/office/drawing/2017/03/chart" uri="{56B9EC1D-385E-4148-901F-78D8002777C0}">
         <c16r3:dataDisplayOptions16>
           <c16r3:dispNaAsBlank val="1"/>
         </c16r3:dataDisplayOptions16>
       </c:ext>
     </c:extLst>
+    <c:showDLblsOverMax val="0"/>
   </c:chart>
   <c:spPr>
     <a:solidFill>
@@ -3851,7 +3865,7 @@
 </file>
 
 <file path=ppt/charts/chart2.xml><?xml version="1.0" encoding="utf-8"?>
-<c:chartSpace xmlns:c="http://schemas.openxmlformats.org/drawingml/2006/chart" xmlns:a="http://schemas.openxmlformats.org/drawingml/2006/main" xmlns:r="http://schemas.openxmlformats.org/officeDocument/2006/relationships">
+<c:chartSpace xmlns:c="http://schemas.openxmlformats.org/drawingml/2006/chart" xmlns:a="http://schemas.openxmlformats.org/drawingml/2006/main" xmlns:r="http://schemas.openxmlformats.org/officeDocument/2006/relationships" xmlns:c16r2="http://schemas.microsoft.com/office/drawing/2015/06/chart">
   <c:date1904 val="0"/>
   <c:lang val="es-ES"/>
   <c:roundedCorners val="0"/>
@@ -3865,7 +3879,6 @@
   </mc:AlternateContent>
   <c:chart>
     <c:title>
-      <c:layout/>
       <c:overlay val="0"/>
       <c:spPr>
         <a:noFill/>
@@ -4195,7 +4208,7 @@
             </c:numRef>
           </c:val>
           <c:smooth val="0"/>
-          <c:extLst xmlns:c16r2="http://schemas.microsoft.com/office/drawing/2015/06/chart">
+          <c:extLst>
             <c:ext xmlns:c16="http://schemas.microsoft.com/office/drawing/2014/chart" uri="{C3380CC4-5D6E-409C-BE32-E72D297353CC}">
               <c16:uniqueId val="{00000000-83B9-455B-BCE7-59323050060D}"/>
             </c:ext>
@@ -4275,7 +4288,6 @@
               </a:p>
             </c:rich>
           </c:tx>
-          <c:layout/>
           <c:overlay val="0"/>
           <c:spPr>
             <a:noFill/>
@@ -4376,7 +4388,6 @@
               </a:p>
             </c:rich>
           </c:tx>
-          <c:layout/>
           <c:overlay val="0"/>
           <c:spPr>
             <a:noFill/>
@@ -4431,14 +4442,14 @@
     </c:plotArea>
     <c:plotVisOnly val="1"/>
     <c:dispBlanksAs val="gap"/>
-    <c:showDLblsOverMax val="0"/>
-    <c:extLst xmlns:c16r2="http://schemas.microsoft.com/office/drawing/2015/06/chart">
+    <c:extLst>
       <c:ext xmlns:c16r3="http://schemas.microsoft.com/office/drawing/2017/03/chart" uri="{56B9EC1D-385E-4148-901F-78D8002777C0}">
         <c16r3:dataDisplayOptions16>
           <c16r3:dispNaAsBlank val="1"/>
         </c16r3:dataDisplayOptions16>
       </c:ext>
     </c:extLst>
+    <c:showDLblsOverMax val="0"/>
   </c:chart>
   <c:spPr>
     <a:solidFill>
@@ -4472,7 +4483,7 @@
 </file>
 
 <file path=ppt/charts/chart3.xml><?xml version="1.0" encoding="utf-8"?>
-<c:chartSpace xmlns:c="http://schemas.openxmlformats.org/drawingml/2006/chart" xmlns:a="http://schemas.openxmlformats.org/drawingml/2006/main" xmlns:r="http://schemas.openxmlformats.org/officeDocument/2006/relationships">
+<c:chartSpace xmlns:c="http://schemas.openxmlformats.org/drawingml/2006/chart" xmlns:a="http://schemas.openxmlformats.org/drawingml/2006/main" xmlns:r="http://schemas.openxmlformats.org/officeDocument/2006/relationships" xmlns:c16r2="http://schemas.microsoft.com/office/drawing/2015/06/chart">
   <c:date1904 val="0"/>
   <c:lang val="es-ES"/>
   <c:roundedCorners val="0"/>
@@ -4516,7 +4527,6 @@
           </a:p>
         </c:rich>
       </c:tx>
-      <c:layout/>
       <c:overlay val="0"/>
       <c:spPr>
         <a:noFill/>
@@ -4638,7 +4648,7 @@
             </c:numRef>
           </c:val>
           <c:smooth val="0"/>
-          <c:extLst xmlns:c16r2="http://schemas.microsoft.com/office/drawing/2015/06/chart">
+          <c:extLst>
             <c:ext xmlns:c16="http://schemas.microsoft.com/office/drawing/2014/chart" uri="{C3380CC4-5D6E-409C-BE32-E72D297353CC}">
               <c16:uniqueId val="{00000000-DFCF-4F0E-9E1F-54D9DBE72D56}"/>
             </c:ext>
@@ -4718,7 +4728,6 @@
               </a:p>
             </c:rich>
           </c:tx>
-          <c:layout/>
           <c:overlay val="0"/>
           <c:spPr>
             <a:noFill/>
@@ -4838,14 +4847,14 @@
     </c:plotArea>
     <c:plotVisOnly val="1"/>
     <c:dispBlanksAs val="gap"/>
-    <c:showDLblsOverMax val="0"/>
-    <c:extLst xmlns:c16r2="http://schemas.microsoft.com/office/drawing/2015/06/chart">
+    <c:extLst>
       <c:ext xmlns:c16r3="http://schemas.microsoft.com/office/drawing/2017/03/chart" uri="{56B9EC1D-385E-4148-901F-78D8002777C0}">
         <c16r3:dataDisplayOptions16>
           <c16r3:dispNaAsBlank val="1"/>
         </c16r3:dataDisplayOptions16>
       </c:ext>
     </c:extLst>
+    <c:showDLblsOverMax val="0"/>
   </c:chart>
   <c:spPr>
     <a:solidFill>
@@ -5426,6 +5435,134 @@
 </p:notes>
 </file>
 
+<file path=ppt/notesSlides/notesSlide10.xml><?xml version="1.0" encoding="utf-8"?>
+<p:notes xmlns:a="http://schemas.openxmlformats.org/drawingml/2006/main" xmlns:r="http://schemas.openxmlformats.org/officeDocument/2006/relationships" xmlns:p="http://schemas.openxmlformats.org/presentationml/2006/main" showMasterSp="0" showMasterPhAnim="0">
+  <p:cSld>
+    <p:spTree>
+      <p:nvGrpSpPr>
+        <p:cNvPr id="1" name="Shape 126"/>
+        <p:cNvGrpSpPr/>
+        <p:nvPr/>
+      </p:nvGrpSpPr>
+      <p:grpSpPr>
+        <a:xfrm>
+          <a:off x="0" y="0"/>
+          <a:ext cx="0" cy="0"/>
+          <a:chOff x="0" y="0"/>
+          <a:chExt cx="0" cy="0"/>
+        </a:xfrm>
+      </p:grpSpPr>
+      <p:sp>
+        <p:nvSpPr>
+          <p:cNvPr id="127" name="Google Shape;127;g35f391192_057:notes"/>
+          <p:cNvSpPr>
+            <a:spLocks noGrp="1" noRot="1" noChangeAspect="1"/>
+          </p:cNvSpPr>
+          <p:nvPr>
+            <p:ph type="sldImg" idx="2"/>
+          </p:nvPr>
+        </p:nvSpPr>
+        <p:spPr>
+          <a:xfrm>
+            <a:off x="381000" y="685800"/>
+            <a:ext cx="6096000" cy="3429000"/>
+          </a:xfrm>
+          <a:custGeom>
+            <a:avLst/>
+            <a:gdLst/>
+            <a:ahLst/>
+            <a:cxnLst/>
+            <a:rect l="l" t="t" r="r" b="b"/>
+            <a:pathLst>
+              <a:path w="120000" h="120000" extrusionOk="0">
+                <a:moveTo>
+                  <a:pt x="0" y="0"/>
+                </a:moveTo>
+                <a:lnTo>
+                  <a:pt x="120000" y="0"/>
+                </a:lnTo>
+                <a:lnTo>
+                  <a:pt x="120000" y="120000"/>
+                </a:lnTo>
+                <a:lnTo>
+                  <a:pt x="0" y="120000"/>
+                </a:lnTo>
+                <a:close/>
+              </a:path>
+            </a:pathLst>
+          </a:custGeom>
+        </p:spPr>
+      </p:sp>
+      <p:sp>
+        <p:nvSpPr>
+          <p:cNvPr id="128" name="Google Shape;128;g35f391192_057:notes"/>
+          <p:cNvSpPr txBox="1">
+            <a:spLocks noGrp="1"/>
+          </p:cNvSpPr>
+          <p:nvPr>
+            <p:ph type="body" idx="1"/>
+          </p:nvPr>
+        </p:nvSpPr>
+        <p:spPr>
+          <a:xfrm>
+            <a:off x="685800" y="4343400"/>
+            <a:ext cx="5486400" cy="4114800"/>
+          </a:xfrm>
+          <a:prstGeom prst="rect">
+            <a:avLst/>
+          </a:prstGeom>
+        </p:spPr>
+        <p:txBody>
+          <a:bodyPr spcFirstLastPara="1" wrap="square" lIns="91425" tIns="91425" rIns="91425" bIns="91425" anchor="t" anchorCtr="0">
+            <a:noAutofit/>
+          </a:bodyPr>
+          <a:lstStyle/>
+          <a:p>
+            <a:pPr marL="0" lvl="0" indent="0" algn="l" rtl="0">
+              <a:spcBef>
+                <a:spcPts val="0"/>
+              </a:spcBef>
+              <a:spcAft>
+                <a:spcPts val="0"/>
+              </a:spcAft>
+              <a:buNone/>
+            </a:pPr>
+            <a:r>
+              <a:rPr lang="es-ES" dirty="0"/>
+              <a:t>Me gusta la de las dos </a:t>
+            </a:r>
+            <a:r>
+              <a:rPr lang="es-ES" dirty="0" err="1"/>
+              <a:t>manos.Pero</a:t>
+            </a:r>
+            <a:r>
+              <a:rPr lang="es-ES" dirty="0"/>
+              <a:t> con el fondo queda un poco </a:t>
+            </a:r>
+            <a:r>
+              <a:rPr lang="es-ES" dirty="0" err="1"/>
+              <a:t>raruno</a:t>
+            </a:r>
+            <a:r>
+              <a:rPr lang="es-ES" dirty="0"/>
+              <a:t> </a:t>
+            </a:r>
+            <a:r>
+              <a:rPr lang="es-ES" dirty="0" err="1"/>
+              <a:t>hajaajaj</a:t>
+            </a:r>
+            <a:endParaRPr dirty="0"/>
+          </a:p>
+        </p:txBody>
+      </p:sp>
+    </p:spTree>
+  </p:cSld>
+  <p:clrMapOvr>
+    <a:masterClrMapping/>
+  </p:clrMapOvr>
+</p:notes>
+</file>
+
 <file path=ppt/notesSlides/notesSlide2.xml><?xml version="1.0" encoding="utf-8"?>
 <p:notes xmlns:a="http://schemas.openxmlformats.org/drawingml/2006/main" xmlns:r="http://schemas.openxmlformats.org/officeDocument/2006/relationships" xmlns:p="http://schemas.openxmlformats.org/presentationml/2006/main" showMasterSp="0" showMasterPhAnim="0">
   <p:cSld>
@@ -5531,6 +5668,158 @@
 </file>
 
 <file path=ppt/notesSlides/notesSlide3.xml><?xml version="1.0" encoding="utf-8"?>
+<p:notes xmlns:a="http://schemas.openxmlformats.org/drawingml/2006/main" xmlns:r="http://schemas.openxmlformats.org/officeDocument/2006/relationships" xmlns:p="http://schemas.openxmlformats.org/presentationml/2006/main">
+  <p:cSld>
+    <p:spTree>
+      <p:nvGrpSpPr>
+        <p:cNvPr id="1" name=""/>
+        <p:cNvGrpSpPr/>
+        <p:nvPr/>
+      </p:nvGrpSpPr>
+      <p:grpSpPr>
+        <a:xfrm>
+          <a:off x="0" y="0"/>
+          <a:ext cx="0" cy="0"/>
+          <a:chOff x="0" y="0"/>
+          <a:chExt cx="0" cy="0"/>
+        </a:xfrm>
+      </p:grpSpPr>
+      <p:sp>
+        <p:nvSpPr>
+          <p:cNvPr id="2" name="Marcador de imagen de diapositiva 1"/>
+          <p:cNvSpPr>
+            <a:spLocks noGrp="1" noRot="1" noChangeAspect="1"/>
+          </p:cNvSpPr>
+          <p:nvPr>
+            <p:ph type="sldImg"/>
+          </p:nvPr>
+        </p:nvSpPr>
+        <p:spPr>
+          <a:xfrm>
+            <a:off x="381000" y="685800"/>
+            <a:ext cx="6096000" cy="3429000"/>
+          </a:xfrm>
+        </p:spPr>
+      </p:sp>
+      <p:sp>
+        <p:nvSpPr>
+          <p:cNvPr id="3" name="Marcador de notas 2"/>
+          <p:cNvSpPr>
+            <a:spLocks noGrp="1"/>
+          </p:cNvSpPr>
+          <p:nvPr>
+            <p:ph type="body" idx="1"/>
+          </p:nvPr>
+        </p:nvSpPr>
+        <p:spPr/>
+        <p:txBody>
+          <a:bodyPr/>
+          <a:lstStyle/>
+          <a:p>
+            <a:r>
+              <a:rPr lang="es-ES" dirty="0"/>
+              <a:t>Me parece correcto, pero sería mucho más descriptivo con el texto. En el sentido de pondría la </a:t>
+            </a:r>
+            <a:r>
+              <a:rPr lang="es-ES" dirty="0" err="1"/>
+              <a:t>info</a:t>
+            </a:r>
+            <a:r>
+              <a:rPr lang="es-ES" dirty="0"/>
+              <a:t> mas “por puntos” en lugar de un texto con todo. No se si me explico.</a:t>
+            </a:r>
+          </a:p>
+        </p:txBody>
+      </p:sp>
+    </p:spTree>
+    <p:extLst>
+      <p:ext uri="{BB962C8B-B14F-4D97-AF65-F5344CB8AC3E}">
+        <p14:creationId xmlns:p14="http://schemas.microsoft.com/office/powerpoint/2010/main" val="371123547"/>
+      </p:ext>
+    </p:extLst>
+  </p:cSld>
+  <p:clrMapOvr>
+    <a:masterClrMapping/>
+  </p:clrMapOvr>
+</p:notes>
+</file>
+
+<file path=ppt/notesSlides/notesSlide4.xml><?xml version="1.0" encoding="utf-8"?>
+<p:notes xmlns:a="http://schemas.openxmlformats.org/drawingml/2006/main" xmlns:r="http://schemas.openxmlformats.org/officeDocument/2006/relationships" xmlns:p="http://schemas.openxmlformats.org/presentationml/2006/main">
+  <p:cSld>
+    <p:spTree>
+      <p:nvGrpSpPr>
+        <p:cNvPr id="1" name=""/>
+        <p:cNvGrpSpPr/>
+        <p:nvPr/>
+      </p:nvGrpSpPr>
+      <p:grpSpPr>
+        <a:xfrm>
+          <a:off x="0" y="0"/>
+          <a:ext cx="0" cy="0"/>
+          <a:chOff x="0" y="0"/>
+          <a:chExt cx="0" cy="0"/>
+        </a:xfrm>
+      </p:grpSpPr>
+      <p:sp>
+        <p:nvSpPr>
+          <p:cNvPr id="2" name="Marcador de imagen de diapositiva 1"/>
+          <p:cNvSpPr>
+            <a:spLocks noGrp="1" noRot="1" noChangeAspect="1"/>
+          </p:cNvSpPr>
+          <p:nvPr>
+            <p:ph type="sldImg"/>
+          </p:nvPr>
+        </p:nvSpPr>
+        <p:spPr>
+          <a:xfrm>
+            <a:off x="381000" y="685800"/>
+            <a:ext cx="6096000" cy="3429000"/>
+          </a:xfrm>
+        </p:spPr>
+      </p:sp>
+      <p:sp>
+        <p:nvSpPr>
+          <p:cNvPr id="3" name="Marcador de notas 2"/>
+          <p:cNvSpPr>
+            <a:spLocks noGrp="1"/>
+          </p:cNvSpPr>
+          <p:nvPr>
+            <p:ph type="body" idx="1"/>
+          </p:nvPr>
+        </p:nvSpPr>
+        <p:spPr/>
+        <p:txBody>
+          <a:bodyPr/>
+          <a:lstStyle/>
+          <a:p>
+            <a:r>
+              <a:rPr lang="es-ES" dirty="0"/>
+              <a:t>Correcto. Ajustar la alineación del texto (tengo mucho TOC jajaja)-</a:t>
+            </a:r>
+          </a:p>
+          <a:p>
+            <a:r>
+              <a:rPr lang="es-ES" dirty="0"/>
+              <a:t>Quizá un poco también de lo que comento en la diapo anterior. En lugar de texto, mas por puntos. Mañana lo vemos por la tarde</a:t>
+            </a:r>
+          </a:p>
+        </p:txBody>
+      </p:sp>
+    </p:spTree>
+    <p:extLst>
+      <p:ext uri="{BB962C8B-B14F-4D97-AF65-F5344CB8AC3E}">
+        <p14:creationId xmlns:p14="http://schemas.microsoft.com/office/powerpoint/2010/main" val="2399076121"/>
+      </p:ext>
+    </p:extLst>
+  </p:cSld>
+  <p:clrMapOvr>
+    <a:masterClrMapping/>
+  </p:clrMapOvr>
+</p:notes>
+</file>
+
+<file path=ppt/notesSlides/notesSlide5.xml><?xml version="1.0" encoding="utf-8"?>
 <p:notes xmlns:a="http://schemas.openxmlformats.org/drawingml/2006/main" xmlns:r="http://schemas.openxmlformats.org/officeDocument/2006/relationships" xmlns:p="http://schemas.openxmlformats.org/presentationml/2006/main" showMasterSp="0" showMasterPhAnim="0">
   <p:cSld>
     <p:spTree>
@@ -5622,7 +5911,19 @@
               </a:spcAft>
               <a:buNone/>
             </a:pPr>
-            <a:endParaRPr/>
+            <a:r>
+              <a:rPr lang="es-ES" dirty="0"/>
+              <a:t>Realmente aquí irían los conceptos básicos del algoritmo evolutivo (genoma, f evaluación, </a:t>
+            </a:r>
+            <a:r>
+              <a:rPr lang="es-ES" dirty="0" err="1"/>
+              <a:t>op</a:t>
+            </a:r>
+            <a:r>
+              <a:rPr lang="es-ES" dirty="0"/>
+              <a:t> selección cruce y mutación), y en la siguiente sección de “adaptación al problema “ iría el como hemos adaptado el problema a estos conceptos del algoritmo. Dejo a la derecha lo que yo pondría. De todas maneras mañana por la tarde estaré en casa toda la tarde y podemos discutir juntos todos estos puntos. (y hacer un pseudo ensayo de la presentación)</a:t>
+            </a:r>
+            <a:endParaRPr dirty="0"/>
           </a:p>
         </p:txBody>
       </p:sp>
@@ -5634,7 +5935,7 @@
 </p:notes>
 </file>
 
-<file path=ppt/notesSlides/notesSlide4.xml><?xml version="1.0" encoding="utf-8"?>
+<file path=ppt/notesSlides/notesSlide6.xml><?xml version="1.0" encoding="utf-8"?>
 <p:notes xmlns:a="http://schemas.openxmlformats.org/drawingml/2006/main" xmlns:r="http://schemas.openxmlformats.org/officeDocument/2006/relationships" xmlns:p="http://schemas.openxmlformats.org/presentationml/2006/main" showMasterSp="0" showMasterPhAnim="0">
   <p:cSld>
     <p:spTree>
@@ -5726,7 +6027,19 @@
               </a:spcAft>
               <a:buNone/>
             </a:pPr>
-            <a:endParaRPr/>
+            <a:r>
+              <a:rPr lang="es-ES" dirty="0"/>
+              <a:t>Cambiaria genoma por “codificación del genoma”. Explicar que es cada sigla de las características físicas (queda un poco </a:t>
+            </a:r>
+            <a:r>
+              <a:rPr lang="es-ES" dirty="0" err="1"/>
+              <a:t>raruno</a:t>
+            </a:r>
+            <a:r>
+              <a:rPr lang="es-ES" dirty="0"/>
+              <a:t> solo puesto así con siglas).</a:t>
+            </a:r>
+            <a:endParaRPr dirty="0"/>
           </a:p>
         </p:txBody>
       </p:sp>
@@ -5738,7 +6051,7 @@
 </p:notes>
 </file>
 
-<file path=ppt/notesSlides/notesSlide5.xml><?xml version="1.0" encoding="utf-8"?>
+<file path=ppt/notesSlides/notesSlide7.xml><?xml version="1.0" encoding="utf-8"?>
 <p:notes xmlns:a="http://schemas.openxmlformats.org/drawingml/2006/main" xmlns:r="http://schemas.openxmlformats.org/officeDocument/2006/relationships" xmlns:p="http://schemas.openxmlformats.org/presentationml/2006/main" showMasterSp="0" showMasterPhAnim="0">
   <p:cSld>
     <p:spTree>
@@ -5830,7 +6143,53 @@
               </a:spcAft>
               <a:buNone/>
             </a:pPr>
-            <a:endParaRPr/>
+            <a:r>
+              <a:rPr lang="es-ES" dirty="0"/>
+              <a:t>Vale, mañana vemos como reestructuramos esta </a:t>
+            </a:r>
+            <a:r>
+              <a:rPr lang="es-ES" dirty="0" err="1"/>
+              <a:t>info</a:t>
+            </a:r>
+            <a:r>
+              <a:rPr lang="es-ES" dirty="0"/>
+              <a:t> en varias diapositivas para que no quede muy sobrecargada esta.</a:t>
+            </a:r>
+          </a:p>
+          <a:p>
+            <a:pPr marL="0" lvl="0" indent="0" algn="l" rtl="0">
+              <a:spcBef>
+                <a:spcPts val="0"/>
+              </a:spcBef>
+              <a:spcAft>
+                <a:spcPts val="0"/>
+              </a:spcAft>
+              <a:buNone/>
+            </a:pPr>
+            <a:r>
+              <a:rPr lang="es-ES" dirty="0"/>
+              <a:t>Yo pondría una diapo por etapa, en la que ponemos los cambios que hemos hecho con respecto a la anterior, por que lo hemos hecho, y que resultados esperábamos y hemos tenido. Mañana lo hablamos.</a:t>
+            </a:r>
+          </a:p>
+          <a:p>
+            <a:pPr marL="0" lvl="0" indent="0" algn="l" rtl="0">
+              <a:spcBef>
+                <a:spcPts val="0"/>
+              </a:spcBef>
+              <a:spcAft>
+                <a:spcPts val="0"/>
+              </a:spcAft>
+              <a:buNone/>
+            </a:pPr>
+            <a:r>
+              <a:rPr lang="es-ES" dirty="0" err="1"/>
+              <a:t>Osea</a:t>
+            </a:r>
+            <a:r>
+              <a:rPr lang="es-ES" dirty="0"/>
+              <a:t> la idea de esta diapo es buena, pero creo que es demasiada información en una sola diapositiva.</a:t>
+            </a:r>
+            <a:endParaRPr dirty="0"/>
           </a:p>
         </p:txBody>
       </p:sp>
@@ -5842,7 +6201,7 @@
 </p:notes>
 </file>
 
-<file path=ppt/notesSlides/notesSlide6.xml><?xml version="1.0" encoding="utf-8"?>
+<file path=ppt/notesSlides/notesSlide8.xml><?xml version="1.0" encoding="utf-8"?>
 <p:notes xmlns:a="http://schemas.openxmlformats.org/drawingml/2006/main" xmlns:r="http://schemas.openxmlformats.org/officeDocument/2006/relationships" xmlns:p="http://schemas.openxmlformats.org/presentationml/2006/main" showMasterSp="0" showMasterPhAnim="0">
   <p:cSld>
     <p:spTree>
@@ -5946,12 +6305,12 @@
 </p:notes>
 </file>
 
-<file path=ppt/notesSlides/notesSlide7.xml><?xml version="1.0" encoding="utf-8"?>
-<p:notes xmlns:a="http://schemas.openxmlformats.org/drawingml/2006/main" xmlns:r="http://schemas.openxmlformats.org/officeDocument/2006/relationships" xmlns:p="http://schemas.openxmlformats.org/presentationml/2006/main" showMasterSp="0" showMasterPhAnim="0">
+<file path=ppt/notesSlides/notesSlide9.xml><?xml version="1.0" encoding="utf-8"?>
+<p:notes xmlns:a="http://schemas.openxmlformats.org/drawingml/2006/main" xmlns:r="http://schemas.openxmlformats.org/officeDocument/2006/relationships" xmlns:p="http://schemas.openxmlformats.org/presentationml/2006/main">
   <p:cSld>
     <p:spTree>
       <p:nvGrpSpPr>
-        <p:cNvPr id="1" name="Shape 126"/>
+        <p:cNvPr id="1" name=""/>
         <p:cNvGrpSpPr/>
         <p:nvPr/>
       </p:nvGrpSpPr>
@@ -5965,12 +6324,12 @@
       </p:grpSpPr>
       <p:sp>
         <p:nvSpPr>
-          <p:cNvPr id="127" name="Google Shape;127;g35f391192_057:notes"/>
+          <p:cNvPr id="2" name="Marcador de imagen de diapositiva 1"/>
           <p:cNvSpPr>
             <a:spLocks noGrp="1" noRot="1" noChangeAspect="1"/>
           </p:cNvSpPr>
           <p:nvPr>
-            <p:ph type="sldImg" idx="2"/>
+            <p:ph type="sldImg"/>
           </p:nvPr>
         </p:nvSpPr>
         <p:spPr>
@@ -5978,71 +6337,72 @@
             <a:off x="381000" y="685800"/>
             <a:ext cx="6096000" cy="3429000"/>
           </a:xfrm>
-          <a:custGeom>
-            <a:avLst/>
-            <a:gdLst/>
-            <a:ahLst/>
-            <a:cxnLst/>
-            <a:rect l="l" t="t" r="r" b="b"/>
-            <a:pathLst>
-              <a:path w="120000" h="120000" extrusionOk="0">
-                <a:moveTo>
-                  <a:pt x="0" y="0"/>
-                </a:moveTo>
-                <a:lnTo>
-                  <a:pt x="120000" y="0"/>
-                </a:lnTo>
-                <a:lnTo>
-                  <a:pt x="120000" y="120000"/>
-                </a:lnTo>
-                <a:lnTo>
-                  <a:pt x="0" y="120000"/>
-                </a:lnTo>
-                <a:close/>
-              </a:path>
-            </a:pathLst>
-          </a:custGeom>
         </p:spPr>
       </p:sp>
       <p:sp>
         <p:nvSpPr>
-          <p:cNvPr id="128" name="Google Shape;128;g35f391192_057:notes"/>
-          <p:cNvSpPr txBox="1">
+          <p:cNvPr id="3" name="Marcador de notas 2"/>
+          <p:cNvSpPr>
             <a:spLocks noGrp="1"/>
           </p:cNvSpPr>
           <p:nvPr>
             <p:ph type="body" idx="1"/>
           </p:nvPr>
         </p:nvSpPr>
-        <p:spPr>
-          <a:xfrm>
-            <a:off x="685800" y="4343400"/>
-            <a:ext cx="5486400" cy="4114800"/>
-          </a:xfrm>
-          <a:prstGeom prst="rect">
-            <a:avLst/>
-          </a:prstGeom>
-        </p:spPr>
+        <p:spPr/>
         <p:txBody>
-          <a:bodyPr spcFirstLastPara="1" wrap="square" lIns="91425" tIns="91425" rIns="91425" bIns="91425" anchor="t" anchorCtr="0">
-            <a:noAutofit/>
-          </a:bodyPr>
+          <a:bodyPr/>
           <a:lstStyle/>
           <a:p>
-            <a:pPr marL="0" lvl="0" indent="0" algn="l" rtl="0">
-              <a:spcBef>
-                <a:spcPts val="0"/>
-              </a:spcBef>
-              <a:spcAft>
-                <a:spcPts val="0"/>
-              </a:spcAft>
+            <a:pPr marL="139700" indent="0">
               <a:buNone/>
             </a:pPr>
-            <a:endParaRPr/>
+            <a:r>
+              <a:rPr lang="es-ES" dirty="0"/>
+              <a:t>Poner en esta diapo </a:t>
+            </a:r>
+            <a:r>
+              <a:rPr lang="es-ES" dirty="0" err="1"/>
+              <a:t>info</a:t>
+            </a:r>
+            <a:r>
+              <a:rPr lang="es-ES" dirty="0"/>
+              <a:t> en texto con los comentarios principales de la grafica</a:t>
+            </a:r>
+          </a:p>
+          <a:p>
+            <a:pPr marL="139700" indent="0">
+              <a:buNone/>
+            </a:pPr>
+            <a:r>
+              <a:rPr lang="es-ES" dirty="0"/>
+              <a:t>En plan que la </a:t>
+            </a:r>
+            <a:r>
+              <a:rPr lang="es-ES" dirty="0" err="1"/>
+              <a:t>info</a:t>
+            </a:r>
+            <a:r>
+              <a:rPr lang="es-ES" dirty="0"/>
+              <a:t> que digamos durante esta diapo quede resumida en un par de puntos que pongamos en texto. </a:t>
+            </a:r>
+            <a:r>
+              <a:rPr lang="es-ES" dirty="0" err="1"/>
+              <a:t>Idem</a:t>
+            </a:r>
+            <a:r>
+              <a:rPr lang="es-ES" dirty="0"/>
+              <a:t> con el resto de diapos de graficas.</a:t>
+            </a:r>
           </a:p>
         </p:txBody>
       </p:sp>
     </p:spTree>
+    <p:extLst>
+      <p:ext uri="{BB962C8B-B14F-4D97-AF65-F5344CB8AC3E}">
+        <p14:creationId xmlns:p14="http://schemas.microsoft.com/office/powerpoint/2010/main" val="3002901006"/>
+      </p:ext>
+    </p:extLst>
   </p:cSld>
   <p:clrMapOvr>
     <a:masterClrMapping/>
@@ -9639,7 +9999,7 @@
               <a:buNone/>
             </a:pPr>
             <a:r>
-              <a:rPr lang="en" dirty="0" smtClean="0"/>
+              <a:rPr lang="en" dirty="0"/>
               <a:t>Computación Evolutiva</a:t>
             </a:r>
             <a:endParaRPr dirty="0"/>
@@ -9669,7 +10029,7 @@
           <a:lstStyle/>
           <a:p>
             <a:r>
-              <a:rPr lang="es-ES" dirty="0" smtClean="0">
+              <a:rPr lang="es-ES" dirty="0">
                 <a:solidFill>
                   <a:schemeClr val="bg1"/>
                 </a:solidFill>
@@ -9679,18 +10039,13 @@
           </a:p>
           <a:p>
             <a:r>
-              <a:rPr lang="es-ES" dirty="0" smtClean="0">
+              <a:rPr lang="es-ES" dirty="0">
                 <a:solidFill>
                   <a:schemeClr val="bg1"/>
                 </a:solidFill>
               </a:rPr>
               <a:t>Y Jaime Miguel Hernández</a:t>
             </a:r>
-            <a:endParaRPr lang="es-ES" dirty="0">
-              <a:solidFill>
-                <a:schemeClr val="bg1"/>
-              </a:solidFill>
-            </a:endParaRPr>
           </a:p>
         </p:txBody>
       </p:sp>
@@ -9699,13 +10054,6 @@
   <p:clrMapOvr>
     <a:masterClrMapping/>
   </p:clrMapOvr>
-  <p:timing>
-    <p:tnLst>
-      <p:par>
-        <p:cTn id="1" dur="indefinite" restart="never" nodeType="tmRoot"/>
-      </p:par>
-    </p:tnLst>
-  </p:timing>
 </p:sld>
 </file>
 
@@ -9763,7 +10111,7 @@
           <p:cNvPr id="7" name="6 Gráfico">
             <a:extLst>
               <a:ext uri="{FF2B5EF4-FFF2-40B4-BE49-F238E27FC236}">
-                <a16:creationId xmlns="" xmlns:xdr="http://schemas.openxmlformats.org/drawingml/2006/spreadsheetDrawing" xmlns:a16="http://schemas.microsoft.com/office/drawing/2014/main" xmlns:lc="http://schemas.openxmlformats.org/drawingml/2006/lockedCanvas" id="{AE696FA1-D1FE-4E13-BC14-60638BA8520A}"/>
+                <a16:creationId xmlns:a16="http://schemas.microsoft.com/office/drawing/2014/main" id="{AE696FA1-D1FE-4E13-BC14-60638BA8520A}"/>
               </a:ext>
             </a:extLst>
           </p:cNvPr>
@@ -9798,13 +10146,6 @@
   <p:clrMapOvr>
     <a:masterClrMapping/>
   </p:clrMapOvr>
-  <p:timing>
-    <p:tnLst>
-      <p:par>
-        <p:cTn id="1" dur="indefinite" restart="never" nodeType="tmRoot"/>
-      </p:par>
-    </p:tnLst>
-  </p:timing>
 </p:sld>
 </file>
 
@@ -9862,7 +10203,7 @@
           <p:cNvPr id="7" name="6 Gráfico">
             <a:extLst>
               <a:ext uri="{FF2B5EF4-FFF2-40B4-BE49-F238E27FC236}">
-                <a16:creationId xmlns="" xmlns:xdr="http://schemas.openxmlformats.org/drawingml/2006/spreadsheetDrawing" xmlns:a16="http://schemas.microsoft.com/office/drawing/2014/main" xmlns:lc="http://schemas.openxmlformats.org/drawingml/2006/lockedCanvas" id="{EF062C18-8D6C-4D95-B9E8-9A69D534A321}"/>
+                <a16:creationId xmlns:a16="http://schemas.microsoft.com/office/drawing/2014/main" id="{EF062C18-8D6C-4D95-B9E8-9A69D534A321}"/>
               </a:ext>
             </a:extLst>
           </p:cNvPr>
@@ -9883,7 +10224,7 @@
         </p:xfrm>
         <a:graphic>
           <a:graphicData uri="http://schemas.openxmlformats.org/drawingml/2006/chart">
-            <c:chart xmlns:c="http://schemas.openxmlformats.org/drawingml/2006/chart" xmlns:r="http://schemas.openxmlformats.org/officeDocument/2006/relationships" r:id="rId2"/>
+            <c:chart xmlns:c="http://schemas.openxmlformats.org/drawingml/2006/chart" xmlns:r="http://schemas.openxmlformats.org/officeDocument/2006/relationships" r:id="rId3"/>
           </a:graphicData>
         </a:graphic>
       </p:graphicFrame>
@@ -9897,13 +10238,6 @@
   <p:clrMapOvr>
     <a:masterClrMapping/>
   </p:clrMapOvr>
-  <p:timing>
-    <p:tnLst>
-      <p:par>
-        <p:cTn id="1" dur="indefinite" restart="never" nodeType="tmRoot"/>
-      </p:par>
-    </p:tnLst>
-  </p:timing>
 </p:sld>
 </file>
 
@@ -9987,10 +10321,9 @@
           <a:lstStyle/>
           <a:p>
             <a:r>
-              <a:rPr lang="es-ES" dirty="0" smtClean="0"/>
+              <a:rPr lang="es-ES" dirty="0"/>
               <a:t>Conclusiones</a:t>
             </a:r>
-            <a:endParaRPr lang="es-ES" dirty="0"/>
           </a:p>
         </p:txBody>
       </p:sp>
@@ -10145,18 +10478,13 @@
           <a:lstStyle/>
           <a:p>
             <a:r>
-              <a:rPr lang="es-ES" dirty="0" smtClean="0">
+              <a:rPr lang="es-ES" dirty="0">
                 <a:solidFill>
                   <a:schemeClr val="bg1"/>
                 </a:solidFill>
               </a:rPr>
               <a:t>¿pongo más? JAJAJAJAJ DIME SI TE GUSTA ALGUNA DE ESAS FOTOS PORQUE una es muy graciosa y la otra parece de demasiado motivado</a:t>
             </a:r>
-            <a:endParaRPr lang="es-ES" dirty="0">
-              <a:solidFill>
-                <a:schemeClr val="bg1"/>
-              </a:solidFill>
-            </a:endParaRPr>
           </a:p>
         </p:txBody>
       </p:sp>
@@ -10189,27 +10517,13 @@
               <a:buChar char="•"/>
             </a:pPr>
             <a:r>
-              <a:rPr lang="es-ES" dirty="0" smtClean="0">
+              <a:rPr lang="es-ES" dirty="0">
                 <a:solidFill>
                   <a:schemeClr val="bg1"/>
                 </a:solidFill>
               </a:rPr>
               <a:t>¿Objetivos alcanzados?</a:t>
             </a:r>
-          </a:p>
-          <a:p>
-            <a:pPr marL="285750" indent="-285750">
-              <a:buClr>
-                <a:schemeClr val="bg1"/>
-              </a:buClr>
-              <a:buFont typeface="Arial" pitchFamily="34" charset="0"/>
-              <a:buChar char="•"/>
-            </a:pPr>
-            <a:endParaRPr lang="es-ES" dirty="0" smtClean="0">
-              <a:solidFill>
-                <a:schemeClr val="bg1"/>
-              </a:solidFill>
-            </a:endParaRPr>
           </a:p>
           <a:p>
             <a:pPr marL="285750" indent="-285750">
@@ -10233,14 +10547,6 @@
               <a:buFont typeface="Arial" pitchFamily="34" charset="0"/>
               <a:buChar char="•"/>
             </a:pPr>
-            <a:r>
-              <a:rPr lang="es-ES" dirty="0" smtClean="0">
-                <a:solidFill>
-                  <a:schemeClr val="bg1"/>
-                </a:solidFill>
-              </a:rPr>
-              <a:t>¿Qué no hemos conseguido o hemos cambiado del objetivo inicial?</a:t>
-            </a:r>
             <a:endParaRPr lang="es-ES" dirty="0">
               <a:solidFill>
                 <a:schemeClr val="bg1"/>
@@ -10255,11 +10561,14 @@
               <a:buFont typeface="Arial" pitchFamily="34" charset="0"/>
               <a:buChar char="•"/>
             </a:pPr>
-            <a:endParaRPr lang="es-ES" dirty="0" smtClean="0">
-              <a:solidFill>
-                <a:schemeClr val="bg1"/>
-              </a:solidFill>
-            </a:endParaRPr>
+            <a:r>
+              <a:rPr lang="es-ES" dirty="0">
+                <a:solidFill>
+                  <a:schemeClr val="bg1"/>
+                </a:solidFill>
+              </a:rPr>
+              <a:t>¿Qué no hemos conseguido o hemos cambiado del objetivo inicial?</a:t>
+            </a:r>
           </a:p>
           <a:p>
             <a:pPr marL="285750" indent="-285750">
@@ -10283,14 +10592,6 @@
               <a:buFont typeface="Arial" pitchFamily="34" charset="0"/>
               <a:buChar char="•"/>
             </a:pPr>
-            <a:r>
-              <a:rPr lang="es-ES" dirty="0" smtClean="0">
-                <a:solidFill>
-                  <a:schemeClr val="bg1"/>
-                </a:solidFill>
-              </a:rPr>
-              <a:t>Posibles mejoras</a:t>
-            </a:r>
             <a:endParaRPr lang="es-ES" dirty="0">
               <a:solidFill>
                 <a:schemeClr val="bg1"/>
@@ -10305,7 +10606,24 @@
               <a:buFont typeface="Arial" pitchFamily="34" charset="0"/>
               <a:buChar char="•"/>
             </a:pPr>
-            <a:endParaRPr lang="es-ES" dirty="0" smtClean="0">
+            <a:r>
+              <a:rPr lang="es-ES" dirty="0">
+                <a:solidFill>
+                  <a:schemeClr val="bg1"/>
+                </a:solidFill>
+              </a:rPr>
+              <a:t>Posibles mejoras</a:t>
+            </a:r>
+          </a:p>
+          <a:p>
+            <a:pPr marL="285750" indent="-285750">
+              <a:buClr>
+                <a:schemeClr val="bg1"/>
+              </a:buClr>
+              <a:buFont typeface="Arial" pitchFamily="34" charset="0"/>
+              <a:buChar char="•"/>
+            </a:pPr>
+            <a:endParaRPr lang="es-ES" dirty="0">
               <a:solidFill>
                 <a:schemeClr val="bg1"/>
               </a:solidFill>
@@ -10315,14 +10633,14 @@
             <a:endParaRPr lang="es-ES" u="sng" dirty="0"/>
           </a:p>
           <a:p>
-            <a:endParaRPr lang="es-ES" u="sng" dirty="0" smtClean="0"/>
-          </a:p>
-          <a:p>
             <a:endParaRPr lang="es-ES" u="sng" dirty="0"/>
           </a:p>
           <a:p>
+            <a:endParaRPr lang="es-ES" u="sng" dirty="0"/>
+          </a:p>
+          <a:p>
             <a:r>
-              <a:rPr lang="es-ES" u="sng" dirty="0" smtClean="0"/>
+              <a:rPr lang="es-ES" u="sng" dirty="0"/>
               <a:t> </a:t>
             </a:r>
             <a:endParaRPr lang="es-ES" dirty="0"/>
@@ -10334,13 +10652,6 @@
   <p:clrMapOvr>
     <a:masterClrMapping/>
   </p:clrMapOvr>
-  <p:timing>
-    <p:tnLst>
-      <p:par>
-        <p:cTn id="1" dur="indefinite" restart="never" nodeType="tmRoot"/>
-      </p:par>
-    </p:tnLst>
-  </p:timing>
 </p:sld>
 </file>
 
@@ -10382,10 +10693,9 @@
           <a:lstStyle/>
           <a:p>
             <a:r>
-              <a:rPr lang="es-ES" dirty="0" smtClean="0"/>
+              <a:rPr lang="es-ES" dirty="0"/>
               <a:t>Índice</a:t>
             </a:r>
-            <a:endParaRPr lang="es-ES" dirty="0"/>
           </a:p>
         </p:txBody>
       </p:sp>
@@ -10565,16 +10875,7 @@
                 </a:solidFill>
                 <a:hlinkClick r:id="rId8" action="ppaction://hlinksldjump"/>
               </a:rPr>
-              <a:t>Resultados </a:t>
-            </a:r>
-            <a:r>
-              <a:rPr lang="es-ES" sz="2400" dirty="0" smtClean="0">
-                <a:solidFill>
-                  <a:schemeClr val="bg1"/>
-                </a:solidFill>
-                <a:hlinkClick r:id="rId8" action="ppaction://hlinksldjump"/>
-              </a:rPr>
-              <a:t>Finales</a:t>
+              <a:t>Resultados Finales</a:t>
             </a:r>
             <a:endParaRPr lang="es-ES" sz="2400" b="1" dirty="0">
               <a:solidFill>
@@ -10619,13 +10920,6 @@
   <p:clrMapOvr>
     <a:masterClrMapping/>
   </p:clrMapOvr>
-  <p:timing>
-    <p:tnLst>
-      <p:par>
-        <p:cTn id="1" dur="indefinite" restart="never" nodeType="tmRoot"/>
-      </p:par>
-    </p:tnLst>
-  </p:timing>
 </p:sld>
 </file>
 
@@ -10667,10 +10961,9 @@
           <a:lstStyle/>
           <a:p>
             <a:r>
-              <a:rPr lang="es-ES" dirty="0" smtClean="0"/>
+              <a:rPr lang="es-ES" dirty="0"/>
               <a:t>Tema a tratar</a:t>
             </a:r>
-            <a:endParaRPr lang="es-ES" dirty="0"/>
           </a:p>
         </p:txBody>
       </p:sp>
@@ -10697,26 +10990,13 @@
           <a:lstStyle/>
           <a:p>
             <a:r>
-              <a:rPr lang="es-ES" dirty="0" smtClean="0">
-                <a:solidFill>
-                  <a:schemeClr val="bg1"/>
-                </a:solidFill>
-              </a:rPr>
-              <a:t>Investigación </a:t>
-            </a:r>
-            <a:r>
               <a:rPr lang="es-ES" dirty="0">
                 <a:solidFill>
                   <a:schemeClr val="bg1"/>
                 </a:solidFill>
               </a:rPr>
-              <a:t>sobre un modelo evolutivo en el que simulamos un ecosistema de criaturas, las cuales combaten para determinar cuál es más la fuerte. </a:t>
+              <a:t>Investigación sobre un modelo evolutivo en el que simulamos un ecosistema de criaturas, las cuales combaten para determinar cuál es más la fuerte. </a:t>
             </a:r>
-            <a:endParaRPr lang="es-ES" dirty="0" smtClean="0">
-              <a:solidFill>
-                <a:schemeClr val="bg1"/>
-              </a:solidFill>
-            </a:endParaRPr>
           </a:p>
           <a:p>
             <a:endParaRPr lang="es-ES" dirty="0">
@@ -10764,10 +11044,9 @@
           <a:lstStyle/>
           <a:p>
             <a:r>
-              <a:rPr lang="es-ES" dirty="0" smtClean="0"/>
+              <a:rPr lang="es-ES" dirty="0"/>
               <a:t>Ponemos algo más? O simplemente ponemos más fotos y ya?</a:t>
             </a:r>
-            <a:endParaRPr lang="es-ES" dirty="0"/>
           </a:p>
         </p:txBody>
       </p:sp>
@@ -10781,13 +11060,6 @@
   <p:clrMapOvr>
     <a:masterClrMapping/>
   </p:clrMapOvr>
-  <p:timing>
-    <p:tnLst>
-      <p:par>
-        <p:cTn id="1" dur="indefinite" restart="never" nodeType="tmRoot"/>
-      </p:par>
-    </p:tnLst>
-  </p:timing>
 </p:sld>
 </file>
 
@@ -10829,10 +11101,9 @@
           <a:lstStyle/>
           <a:p>
             <a:r>
-              <a:rPr lang="es-ES" dirty="0" smtClean="0"/>
+              <a:rPr lang="es-ES" dirty="0"/>
               <a:t>Objetivo</a:t>
             </a:r>
-            <a:endParaRPr lang="es-ES" dirty="0"/>
           </a:p>
         </p:txBody>
       </p:sp>
@@ -10858,21 +11129,14 @@
           </a:bodyPr>
           <a:lstStyle/>
           <a:p>
+            <a:pPr algn="just"/>
             <a:r>
               <a:rPr lang="es-ES" dirty="0">
                 <a:solidFill>
                   <a:schemeClr val="bg1"/>
                 </a:solidFill>
               </a:rPr>
-              <a:t>Durante el desarrollo de la investigación introduciremos cambios en el algoritmo evolutivo, que permitirá encontrar resultados diferentes, con una convergencia más rápida o con mayor diversidad, entre otros aspectos importantes</a:t>
-            </a:r>
-            <a:r>
-              <a:rPr lang="es-ES" dirty="0" smtClean="0">
-                <a:solidFill>
-                  <a:schemeClr val="bg1"/>
-                </a:solidFill>
-              </a:rPr>
-              <a:t>.</a:t>
+              <a:t>Durante el desarrollo de la investigación introduciremos cambios en el algoritmo evolutivo, que permitirá encontrar resultados diferentes, con una convergencia más rápida o con mayor diversidad, entre otros aspectos importantes.</a:t>
             </a:r>
           </a:p>
           <a:p>
@@ -10884,7 +11148,7 @@
           </a:p>
           <a:p>
             <a:r>
-              <a:rPr lang="es-ES" dirty="0" smtClean="0">
+              <a:rPr lang="es-ES" dirty="0">
                 <a:solidFill>
                   <a:schemeClr val="bg1"/>
                 </a:solidFill>
@@ -10904,7 +11168,7 @@
         <p:spPr>
           <a:xfrm>
             <a:off x="477007" y="1347614"/>
-            <a:ext cx="4572000" cy="1384995"/>
+            <a:ext cx="4572000" cy="1169551"/>
           </a:xfrm>
           <a:prstGeom prst="rect">
             <a:avLst/>
@@ -10923,27 +11187,15 @@
             </a:endParaRPr>
           </a:p>
           <a:p>
-            <a:r>
-              <a:rPr lang="es-ES" dirty="0" smtClean="0">
-                <a:solidFill>
-                  <a:schemeClr val="bg1"/>
-                </a:solidFill>
-              </a:rPr>
-              <a:t>Un </a:t>
-            </a:r>
+            <a:pPr algn="just"/>
             <a:r>
               <a:rPr lang="es-ES" dirty="0">
                 <a:solidFill>
                   <a:schemeClr val="bg1"/>
                 </a:solidFill>
               </a:rPr>
-              <a:t>modelo del ecosistema, con una herramienta para simular los combates, y utilizando un algoritmo evolutivo trataremos de encontrar criaturas cada vez mejores (de acorde al mencionado sistema de combate).</a:t>
+              <a:t>Investigar y experimentar con un modelo del ecosistema y un algoritmo evolutivo con el que  trataremos de encontrar criaturas cada vez mejores (de acorde al mencionado sistema de combate).</a:t>
             </a:r>
-            <a:endParaRPr lang="es-ES" dirty="0">
-              <a:solidFill>
-                <a:schemeClr val="bg1"/>
-              </a:solidFill>
-            </a:endParaRPr>
           </a:p>
         </p:txBody>
       </p:sp>
@@ -10970,10 +11222,9 @@
           <a:lstStyle/>
           <a:p>
             <a:r>
-              <a:rPr lang="es-ES" dirty="0" smtClean="0"/>
+              <a:rPr lang="es-ES" dirty="0"/>
               <a:t>Ponemos algo más? O simplemente ponemos más fotos y ya?</a:t>
             </a:r>
-            <a:endParaRPr lang="es-ES" dirty="0"/>
           </a:p>
         </p:txBody>
       </p:sp>
@@ -10987,13 +11238,6 @@
   <p:clrMapOvr>
     <a:masterClrMapping/>
   </p:clrMapOvr>
-  <p:timing>
-    <p:tnLst>
-      <p:par>
-        <p:cTn id="1" dur="indefinite" restart="never" nodeType="tmRoot"/>
-      </p:par>
-    </p:tnLst>
-  </p:timing>
 </p:sld>
 </file>
 
@@ -11077,10 +11321,9 @@
           <a:lstStyle/>
           <a:p>
             <a:r>
-              <a:rPr lang="es-ES" dirty="0" smtClean="0"/>
+              <a:rPr lang="es-ES" dirty="0"/>
               <a:t>Conceptos Básicos</a:t>
             </a:r>
-            <a:endParaRPr lang="es-ES" dirty="0"/>
           </a:p>
         </p:txBody>
       </p:sp>
@@ -11114,7 +11357,7 @@
               <a:buChar char="•"/>
             </a:pPr>
             <a:r>
-              <a:rPr lang="es-ES" dirty="0" smtClean="0">
+              <a:rPr lang="es-ES" dirty="0">
                 <a:solidFill>
                   <a:schemeClr val="bg1"/>
                 </a:solidFill>
@@ -11144,7 +11387,7 @@
               <a:buFont typeface="Arial" pitchFamily="34" charset="0"/>
               <a:buChar char="•"/>
             </a:pPr>
-            <a:endParaRPr lang="es-ES" dirty="0" smtClean="0">
+            <a:endParaRPr lang="es-ES" dirty="0">
               <a:solidFill>
                 <a:schemeClr val="bg1"/>
               </a:solidFill>
@@ -11159,7 +11402,7 @@
               <a:buChar char="•"/>
             </a:pPr>
             <a:r>
-              <a:rPr lang="es-ES" dirty="0" smtClean="0">
+              <a:rPr lang="es-ES" dirty="0">
                 <a:solidFill>
                   <a:schemeClr val="bg1"/>
                 </a:solidFill>
@@ -11189,7 +11432,7 @@
               <a:buFont typeface="Arial" pitchFamily="34" charset="0"/>
               <a:buChar char="•"/>
             </a:pPr>
-            <a:endParaRPr lang="es-ES" dirty="0" smtClean="0">
+            <a:endParaRPr lang="es-ES" dirty="0">
               <a:solidFill>
                 <a:schemeClr val="bg1"/>
               </a:solidFill>
@@ -11204,7 +11447,7 @@
               <a:buChar char="•"/>
             </a:pPr>
             <a:r>
-              <a:rPr lang="es-ES" dirty="0" smtClean="0">
+              <a:rPr lang="es-ES" dirty="0">
                 <a:solidFill>
                   <a:schemeClr val="bg1"/>
                 </a:solidFill>
@@ -11234,7 +11477,7 @@
               <a:buFont typeface="Arial" pitchFamily="34" charset="0"/>
               <a:buChar char="•"/>
             </a:pPr>
-            <a:endParaRPr lang="es-ES" dirty="0" smtClean="0">
+            <a:endParaRPr lang="es-ES" dirty="0">
               <a:solidFill>
                 <a:schemeClr val="bg1"/>
               </a:solidFill>
@@ -11249,27 +11492,13 @@
               <a:buChar char="•"/>
             </a:pPr>
             <a:r>
-              <a:rPr lang="es-ES" dirty="0" smtClean="0">
+              <a:rPr lang="es-ES" dirty="0">
                 <a:solidFill>
                   <a:schemeClr val="bg1"/>
                 </a:solidFill>
               </a:rPr>
               <a:t>FUNCIÓN DE EVALUACIÓN</a:t>
             </a:r>
-          </a:p>
-          <a:p>
-            <a:pPr marL="285750" indent="-285750">
-              <a:buClr>
-                <a:schemeClr val="bg1"/>
-              </a:buClr>
-              <a:buFont typeface="Arial" pitchFamily="34" charset="0"/>
-              <a:buChar char="•"/>
-            </a:pPr>
-            <a:endParaRPr lang="es-ES" dirty="0" smtClean="0">
-              <a:solidFill>
-                <a:schemeClr val="bg1"/>
-              </a:solidFill>
-            </a:endParaRPr>
           </a:p>
           <a:p>
             <a:pPr marL="285750" indent="-285750">
@@ -11285,6 +11514,109 @@
               </a:solidFill>
             </a:endParaRPr>
           </a:p>
+          <a:p>
+            <a:pPr marL="285750" indent="-285750">
+              <a:buClr>
+                <a:schemeClr val="bg1"/>
+              </a:buClr>
+              <a:buFont typeface="Arial" pitchFamily="34" charset="0"/>
+              <a:buChar char="•"/>
+            </a:pPr>
+            <a:endParaRPr lang="es-ES" dirty="0">
+              <a:solidFill>
+                <a:schemeClr val="bg1"/>
+              </a:solidFill>
+            </a:endParaRPr>
+          </a:p>
+        </p:txBody>
+      </p:sp>
+      <p:sp>
+        <p:nvSpPr>
+          <p:cNvPr id="2" name="CuadroTexto 1">
+            <a:extLst>
+              <a:ext uri="{FF2B5EF4-FFF2-40B4-BE49-F238E27FC236}">
+                <a16:creationId xmlns:a16="http://schemas.microsoft.com/office/drawing/2014/main" id="{03090BE4-CD72-46EB-8D21-36AA5D0C071E}"/>
+              </a:ext>
+            </a:extLst>
+          </p:cNvPr>
+          <p:cNvSpPr txBox="1"/>
+          <p:nvPr/>
+        </p:nvSpPr>
+        <p:spPr>
+          <a:xfrm>
+            <a:off x="5580112" y="1707654"/>
+            <a:ext cx="2448272" cy="1384995"/>
+          </a:xfrm>
+          <a:prstGeom prst="rect">
+            <a:avLst/>
+          </a:prstGeom>
+          <a:noFill/>
+        </p:spPr>
+        <p:txBody>
+          <a:bodyPr wrap="square" rtlCol="0">
+            <a:spAutoFit/>
+          </a:bodyPr>
+          <a:lstStyle/>
+          <a:p>
+            <a:pPr marL="285750" indent="-285750">
+              <a:buFont typeface="Arial" panose="020B0604020202020204" pitchFamily="34" charset="0"/>
+              <a:buChar char="•"/>
+            </a:pPr>
+            <a:r>
+              <a:rPr lang="es-ES" dirty="0"/>
+              <a:t>Genoma</a:t>
+            </a:r>
+          </a:p>
+          <a:p>
+            <a:pPr marL="285750" indent="-285750">
+              <a:buFont typeface="Arial" panose="020B0604020202020204" pitchFamily="34" charset="0"/>
+              <a:buChar char="•"/>
+            </a:pPr>
+            <a:r>
+              <a:rPr lang="es-ES" dirty="0"/>
+              <a:t>Población</a:t>
+            </a:r>
+          </a:p>
+          <a:p>
+            <a:pPr marL="285750" indent="-285750">
+              <a:buFont typeface="Arial" panose="020B0604020202020204" pitchFamily="34" charset="0"/>
+              <a:buChar char="•"/>
+            </a:pPr>
+            <a:r>
+              <a:rPr lang="es-ES" dirty="0"/>
+              <a:t>F. Evaluación</a:t>
+            </a:r>
+          </a:p>
+          <a:p>
+            <a:pPr marL="285750" indent="-285750">
+              <a:buFont typeface="Arial" panose="020B0604020202020204" pitchFamily="34" charset="0"/>
+              <a:buChar char="•"/>
+            </a:pPr>
+            <a:r>
+              <a:rPr lang="es-ES" dirty="0"/>
+              <a:t>Operador Selección</a:t>
+            </a:r>
+          </a:p>
+          <a:p>
+            <a:pPr marL="285750" indent="-285750">
+              <a:buFont typeface="Arial" panose="020B0604020202020204" pitchFamily="34" charset="0"/>
+              <a:buChar char="•"/>
+            </a:pPr>
+            <a:r>
+              <a:rPr lang="es-ES" dirty="0"/>
+              <a:t>Operador Cruce</a:t>
+            </a:r>
+          </a:p>
+          <a:p>
+            <a:pPr marL="285750" indent="-285750">
+              <a:buFont typeface="Arial" panose="020B0604020202020204" pitchFamily="34" charset="0"/>
+              <a:buChar char="•"/>
+            </a:pPr>
+            <a:r>
+              <a:rPr lang="es-ES" dirty="0"/>
+              <a:t>Operador Mutación</a:t>
+            </a:r>
+          </a:p>
         </p:txBody>
       </p:sp>
     </p:spTree>
@@ -11292,13 +11624,6 @@
   <p:clrMapOvr>
     <a:masterClrMapping/>
   </p:clrMapOvr>
-  <p:timing>
-    <p:tnLst>
-      <p:par>
-        <p:cTn id="1" dur="indefinite" restart="never" nodeType="tmRoot"/>
-      </p:par>
-    </p:tnLst>
-  </p:timing>
 </p:sld>
 </file>
 
@@ -11382,11 +11707,11 @@
           <a:lstStyle/>
           <a:p>
             <a:r>
-              <a:rPr lang="es-ES" dirty="0" smtClean="0"/>
+              <a:rPr lang="es-ES" dirty="0"/>
               <a:t>Adaptación</a:t>
             </a:r>
             <a:r>
-              <a:rPr lang="es-ES" baseline="0" dirty="0" smtClean="0"/>
+              <a:rPr lang="es-ES" baseline="0" dirty="0"/>
               <a:t>  del problema</a:t>
             </a:r>
             <a:endParaRPr lang="es-ES" dirty="0"/>
@@ -11512,13 +11837,6 @@
   <p:clrMapOvr>
     <a:masterClrMapping/>
   </p:clrMapOvr>
-  <p:timing>
-    <p:tnLst>
-      <p:par>
-        <p:cTn id="1" dur="indefinite" restart="never" nodeType="tmRoot"/>
-      </p:par>
-    </p:tnLst>
-  </p:timing>
 </p:sld>
 </file>
 
@@ -11592,11 +11910,11 @@
           <a:lstStyle/>
           <a:p>
             <a:r>
-              <a:rPr lang="es-ES" dirty="0" smtClean="0"/>
+              <a:rPr lang="es-ES" dirty="0"/>
               <a:t>Planteamiento</a:t>
             </a:r>
             <a:r>
-              <a:rPr lang="es-ES" baseline="0" dirty="0" smtClean="0"/>
+              <a:rPr lang="es-ES" baseline="0" dirty="0"/>
               <a:t> Inicial</a:t>
             </a:r>
             <a:endParaRPr lang="es-ES" dirty="0"/>
@@ -11633,7 +11951,7 @@
               <a:buAutoNum type="arabicPeriod"/>
             </a:pPr>
             <a:r>
-              <a:rPr lang="es-ES" dirty="0" smtClean="0">
+              <a:rPr lang="es-ES" dirty="0">
                 <a:solidFill>
                   <a:schemeClr val="bg1"/>
                 </a:solidFill>
@@ -11663,42 +11981,11 @@
               <a:buFont typeface="+mj-lt"/>
               <a:buAutoNum type="arabicPeriod"/>
             </a:pPr>
-            <a:endParaRPr lang="es-ES" dirty="0" smtClean="0">
+            <a:endParaRPr lang="es-ES" dirty="0">
               <a:solidFill>
                 <a:schemeClr val="bg1"/>
               </a:solidFill>
             </a:endParaRPr>
-          </a:p>
-          <a:p>
-            <a:pPr marL="342900" indent="-342900">
-              <a:buClr>
-                <a:schemeClr val="bg1"/>
-              </a:buClr>
-              <a:buFont typeface="+mj-lt"/>
-              <a:buAutoNum type="arabicPeriod"/>
-            </a:pPr>
-            <a:endParaRPr lang="es-ES" dirty="0" smtClean="0">
-              <a:solidFill>
-                <a:schemeClr val="bg1"/>
-              </a:solidFill>
-            </a:endParaRPr>
-          </a:p>
-          <a:p>
-            <a:pPr marL="342900" indent="-342900">
-              <a:buClr>
-                <a:schemeClr val="bg1"/>
-              </a:buClr>
-              <a:buFont typeface="+mj-lt"/>
-              <a:buAutoNum type="arabicPeriod"/>
-            </a:pPr>
-            <a:r>
-              <a:rPr lang="es-ES" dirty="0" smtClean="0">
-                <a:solidFill>
-                  <a:schemeClr val="bg1"/>
-                </a:solidFill>
-              </a:rPr>
-              <a:t>OPERADOR: RULETA</a:t>
-            </a:r>
           </a:p>
           <a:p>
             <a:pPr marL="342900" indent="-342900">
@@ -11722,41 +12009,13 @@
               <a:buFont typeface="+mj-lt"/>
               <a:buAutoNum type="arabicPeriod"/>
             </a:pPr>
-            <a:endParaRPr lang="es-ES" dirty="0" smtClean="0">
-              <a:solidFill>
-                <a:schemeClr val="bg1"/>
-              </a:solidFill>
-            </a:endParaRPr>
-          </a:p>
-          <a:p>
-            <a:pPr marL="342900" indent="-342900">
-              <a:buClr>
-                <a:schemeClr val="bg1"/>
-              </a:buClr>
-              <a:buFont typeface="+mj-lt"/>
-              <a:buAutoNum type="arabicPeriod"/>
-            </a:pPr>
-            <a:endParaRPr lang="es-ES" dirty="0" smtClean="0">
-              <a:solidFill>
-                <a:schemeClr val="bg1"/>
-              </a:solidFill>
-            </a:endParaRPr>
-          </a:p>
-          <a:p>
-            <a:pPr marL="342900" indent="-342900">
-              <a:buClr>
-                <a:schemeClr val="bg1"/>
-              </a:buClr>
-              <a:buFont typeface="+mj-lt"/>
-              <a:buAutoNum type="arabicPeriod"/>
-            </a:pPr>
             <a:r>
-              <a:rPr lang="es-ES" dirty="0" smtClean="0">
+              <a:rPr lang="es-ES" dirty="0">
                 <a:solidFill>
                   <a:schemeClr val="bg1"/>
                 </a:solidFill>
               </a:rPr>
-              <a:t>CRUCE: UNIFORME</a:t>
+              <a:t>OPERADOR: RULETA</a:t>
             </a:r>
           </a:p>
           <a:p>
@@ -11781,42 +12040,11 @@
               <a:buFont typeface="+mj-lt"/>
               <a:buAutoNum type="arabicPeriod"/>
             </a:pPr>
-            <a:endParaRPr lang="es-ES" dirty="0" smtClean="0">
+            <a:endParaRPr lang="es-ES" dirty="0">
               <a:solidFill>
                 <a:schemeClr val="bg1"/>
               </a:solidFill>
             </a:endParaRPr>
-          </a:p>
-          <a:p>
-            <a:pPr marL="342900" indent="-342900">
-              <a:buClr>
-                <a:schemeClr val="bg1"/>
-              </a:buClr>
-              <a:buFont typeface="+mj-lt"/>
-              <a:buAutoNum type="arabicPeriod"/>
-            </a:pPr>
-            <a:endParaRPr lang="es-ES" dirty="0" smtClean="0">
-              <a:solidFill>
-                <a:schemeClr val="bg1"/>
-              </a:solidFill>
-            </a:endParaRPr>
-          </a:p>
-          <a:p>
-            <a:pPr marL="342900" indent="-342900">
-              <a:buClr>
-                <a:schemeClr val="bg1"/>
-              </a:buClr>
-              <a:buFont typeface="+mj-lt"/>
-              <a:buAutoNum type="arabicPeriod"/>
-            </a:pPr>
-            <a:r>
-              <a:rPr lang="es-ES" dirty="0" smtClean="0">
-                <a:solidFill>
-                  <a:schemeClr val="bg1"/>
-                </a:solidFill>
-              </a:rPr>
-              <a:t>MUTACIÓN: INDIVIDUAL</a:t>
-            </a:r>
           </a:p>
           <a:p>
             <a:pPr marL="342900" indent="-342900">
@@ -11832,6 +12060,96 @@
               </a:solidFill>
             </a:endParaRPr>
           </a:p>
+          <a:p>
+            <a:pPr marL="342900" indent="-342900">
+              <a:buClr>
+                <a:schemeClr val="bg1"/>
+              </a:buClr>
+              <a:buFont typeface="+mj-lt"/>
+              <a:buAutoNum type="arabicPeriod"/>
+            </a:pPr>
+            <a:r>
+              <a:rPr lang="es-ES" dirty="0">
+                <a:solidFill>
+                  <a:schemeClr val="bg1"/>
+                </a:solidFill>
+              </a:rPr>
+              <a:t>CRUCE: UNIFORME</a:t>
+            </a:r>
+          </a:p>
+          <a:p>
+            <a:pPr marL="342900" indent="-342900">
+              <a:buClr>
+                <a:schemeClr val="bg1"/>
+              </a:buClr>
+              <a:buFont typeface="+mj-lt"/>
+              <a:buAutoNum type="arabicPeriod"/>
+            </a:pPr>
+            <a:endParaRPr lang="es-ES" dirty="0">
+              <a:solidFill>
+                <a:schemeClr val="bg1"/>
+              </a:solidFill>
+            </a:endParaRPr>
+          </a:p>
+          <a:p>
+            <a:pPr marL="342900" indent="-342900">
+              <a:buClr>
+                <a:schemeClr val="bg1"/>
+              </a:buClr>
+              <a:buFont typeface="+mj-lt"/>
+              <a:buAutoNum type="arabicPeriod"/>
+            </a:pPr>
+            <a:endParaRPr lang="es-ES" dirty="0">
+              <a:solidFill>
+                <a:schemeClr val="bg1"/>
+              </a:solidFill>
+            </a:endParaRPr>
+          </a:p>
+          <a:p>
+            <a:pPr marL="342900" indent="-342900">
+              <a:buClr>
+                <a:schemeClr val="bg1"/>
+              </a:buClr>
+              <a:buFont typeface="+mj-lt"/>
+              <a:buAutoNum type="arabicPeriod"/>
+            </a:pPr>
+            <a:endParaRPr lang="es-ES" dirty="0">
+              <a:solidFill>
+                <a:schemeClr val="bg1"/>
+              </a:solidFill>
+            </a:endParaRPr>
+          </a:p>
+          <a:p>
+            <a:pPr marL="342900" indent="-342900">
+              <a:buClr>
+                <a:schemeClr val="bg1"/>
+              </a:buClr>
+              <a:buFont typeface="+mj-lt"/>
+              <a:buAutoNum type="arabicPeriod"/>
+            </a:pPr>
+            <a:r>
+              <a:rPr lang="es-ES" dirty="0">
+                <a:solidFill>
+                  <a:schemeClr val="bg1"/>
+                </a:solidFill>
+              </a:rPr>
+              <a:t>MUTACIÓN: INDIVIDUAL</a:t>
+            </a:r>
+          </a:p>
+          <a:p>
+            <a:pPr marL="342900" indent="-342900">
+              <a:buClr>
+                <a:schemeClr val="bg1"/>
+              </a:buClr>
+              <a:buFont typeface="+mj-lt"/>
+              <a:buAutoNum type="arabicPeriod"/>
+            </a:pPr>
+            <a:endParaRPr lang="es-ES" dirty="0">
+              <a:solidFill>
+                <a:schemeClr val="bg1"/>
+              </a:solidFill>
+            </a:endParaRPr>
+          </a:p>
         </p:txBody>
       </p:sp>
     </p:spTree>
@@ -11844,13 +12162,6 @@
   <p:clrMapOvr>
     <a:masterClrMapping/>
   </p:clrMapOvr>
-  <p:timing>
-    <p:tnLst>
-      <p:par>
-        <p:cTn id="1" dur="indefinite" restart="never" nodeType="tmRoot"/>
-      </p:par>
-    </p:tnLst>
-  </p:timing>
 </p:sld>
 </file>
 
@@ -11934,19 +12245,19 @@
           <a:lstStyle/>
           <a:p>
             <a:r>
-              <a:rPr lang="es-ES" dirty="0" smtClean="0"/>
+              <a:rPr lang="es-ES" dirty="0"/>
               <a:t>Proceso</a:t>
             </a:r>
             <a:r>
-              <a:rPr lang="es-ES" baseline="0" dirty="0" smtClean="0"/>
+              <a:rPr lang="es-ES" baseline="0" dirty="0"/>
               <a:t> y </a:t>
             </a:r>
             <a:r>
-              <a:rPr lang="es-ES" dirty="0" smtClean="0"/>
+              <a:rPr lang="es-ES" dirty="0"/>
               <a:t>Dificultades</a:t>
             </a:r>
             <a:r>
-              <a:rPr lang="es-ES" baseline="0" dirty="0" smtClean="0"/>
+              <a:rPr lang="es-ES" baseline="0" dirty="0"/>
               <a:t> </a:t>
             </a:r>
             <a:endParaRPr lang="es-ES" dirty="0"/>
@@ -11982,7 +12293,7 @@
               <a:buAutoNum type="arabicPeriod"/>
             </a:pPr>
             <a:r>
-              <a:rPr lang="es-ES" dirty="0" smtClean="0">
+              <a:rPr lang="es-ES" dirty="0">
                 <a:solidFill>
                   <a:schemeClr val="bg1"/>
                 </a:solidFill>
@@ -11997,165 +12308,7 @@
               </a:buClr>
               <a:buAutoNum type="arabicPeriod"/>
             </a:pPr>
-            <a:endParaRPr lang="es-ES" dirty="0" smtClean="0">
-              <a:solidFill>
-                <a:schemeClr val="bg1"/>
-              </a:solidFill>
-            </a:endParaRPr>
-          </a:p>
-          <a:p>
-            <a:pPr marL="342900" indent="-342900">
-              <a:buClr>
-                <a:schemeClr val="bg1"/>
-              </a:buClr>
-              <a:buFont typeface="Arial"/>
-              <a:buAutoNum type="arabicPeriod"/>
-            </a:pPr>
-            <a:r>
-              <a:rPr lang="es-ES" dirty="0" smtClean="0">
-                <a:solidFill>
-                  <a:schemeClr val="bg1"/>
-                </a:solidFill>
-              </a:rPr>
-              <a:t>Operador</a:t>
-            </a:r>
-            <a:r>
-              <a:rPr lang="es-ES" dirty="0">
-                <a:solidFill>
-                  <a:schemeClr val="bg1"/>
-                </a:solidFill>
-              </a:rPr>
-              <a:t>: </a:t>
-            </a:r>
-            <a:r>
-              <a:rPr lang="es-ES" dirty="0" smtClean="0">
-                <a:solidFill>
-                  <a:schemeClr val="bg1"/>
-                </a:solidFill>
-              </a:rPr>
-              <a:t>Torneo ,  </a:t>
-            </a:r>
-            <a:r>
-              <a:rPr lang="es-ES" dirty="0">
-                <a:solidFill>
-                  <a:schemeClr val="bg1"/>
-                </a:solidFill>
-              </a:rPr>
-              <a:t>NO Población de </a:t>
-            </a:r>
-            <a:r>
-              <a:rPr lang="es-ES" dirty="0" smtClean="0">
-                <a:solidFill>
-                  <a:schemeClr val="bg1"/>
-                </a:solidFill>
-              </a:rPr>
-              <a:t>Prueba                   </a:t>
-            </a:r>
-            <a:r>
-              <a:rPr lang="es-ES" dirty="0">
-                <a:solidFill>
-                  <a:schemeClr val="bg1"/>
-                </a:solidFill>
-              </a:rPr>
-              <a:t>Problema: Todos </a:t>
-            </a:r>
-            <a:r>
-              <a:rPr lang="es-ES" dirty="0" smtClean="0">
-                <a:solidFill>
-                  <a:schemeClr val="bg1"/>
-                </a:solidFill>
-              </a:rPr>
-              <a:t>iguales</a:t>
-            </a:r>
-          </a:p>
-          <a:p>
-            <a:pPr marL="342900" indent="-342900">
-              <a:buClr>
-                <a:schemeClr val="bg1"/>
-              </a:buClr>
-              <a:buFont typeface="Arial"/>
-              <a:buAutoNum type="arabicPeriod"/>
-            </a:pPr>
-            <a:endParaRPr lang="es-ES" dirty="0" smtClean="0">
-              <a:solidFill>
-                <a:schemeClr val="bg1"/>
-              </a:solidFill>
-            </a:endParaRPr>
-          </a:p>
-          <a:p>
-            <a:pPr marL="342900" indent="-342900">
-              <a:buClr>
-                <a:schemeClr val="bg1"/>
-              </a:buClr>
-              <a:buFont typeface="Arial"/>
-              <a:buAutoNum type="arabicPeriod"/>
-            </a:pPr>
-            <a:r>
-              <a:rPr lang="es-ES" dirty="0" smtClean="0">
-                <a:solidFill>
-                  <a:schemeClr val="bg1"/>
-                </a:solidFill>
-              </a:rPr>
-              <a:t> </a:t>
-            </a:r>
-            <a:r>
-              <a:rPr lang="es-ES" dirty="0">
-                <a:solidFill>
-                  <a:schemeClr val="bg1"/>
-                </a:solidFill>
-              </a:rPr>
-              <a:t>Operador: Torneo </a:t>
-            </a:r>
-            <a:r>
-              <a:rPr lang="es-ES" dirty="0" smtClean="0">
-                <a:solidFill>
-                  <a:schemeClr val="bg1"/>
-                </a:solidFill>
-              </a:rPr>
-              <a:t>, SÍ </a:t>
-            </a:r>
-            <a:r>
-              <a:rPr lang="es-ES" dirty="0">
-                <a:solidFill>
-                  <a:schemeClr val="bg1"/>
-                </a:solidFill>
-              </a:rPr>
-              <a:t>Población de </a:t>
-            </a:r>
-            <a:r>
-              <a:rPr lang="es-ES" dirty="0" smtClean="0">
-                <a:solidFill>
-                  <a:schemeClr val="bg1"/>
-                </a:solidFill>
-              </a:rPr>
-              <a:t>Prueba                 Problema</a:t>
-            </a:r>
-            <a:r>
-              <a:rPr lang="es-ES" dirty="0">
-                <a:solidFill>
-                  <a:schemeClr val="bg1"/>
-                </a:solidFill>
-              </a:rPr>
-              <a:t>: </a:t>
-            </a:r>
-            <a:r>
-              <a:rPr lang="es-ES" dirty="0" smtClean="0">
-                <a:solidFill>
-                  <a:schemeClr val="bg1"/>
-                </a:solidFill>
-              </a:rPr>
-              <a:t>Población real no mejora</a:t>
-            </a:r>
-          </a:p>
-          <a:p>
-            <a:pPr marL="342900" indent="-342900">
-              <a:buClr>
-                <a:schemeClr val="bg1"/>
-              </a:buClr>
-              <a:buFont typeface="Arial"/>
-              <a:buAutoNum type="arabicPeriod"/>
-            </a:pPr>
-            <a:endParaRPr lang="es-ES" dirty="0" smtClean="0">
+            <a:endParaRPr lang="es-ES" dirty="0">
               <a:solidFill>
                 <a:schemeClr val="bg1"/>
               </a:solidFill>
@@ -12175,47 +12328,7 @@
                   <a:schemeClr val="bg1"/>
                 </a:solidFill>
               </a:rPr>
-              <a:t>Operador: Torneo </a:t>
-            </a:r>
-            <a:r>
-              <a:rPr lang="es-ES" dirty="0" smtClean="0">
-                <a:solidFill>
-                  <a:schemeClr val="bg1"/>
-                </a:solidFill>
-              </a:rPr>
-              <a:t>, </a:t>
-            </a:r>
-            <a:r>
-              <a:rPr lang="es-ES" dirty="0">
-                <a:solidFill>
-                  <a:schemeClr val="bg1"/>
-                </a:solidFill>
-              </a:rPr>
-              <a:t>SÍ Población de </a:t>
-            </a:r>
-            <a:r>
-              <a:rPr lang="es-ES" dirty="0" smtClean="0">
-                <a:solidFill>
-                  <a:schemeClr val="bg1"/>
-                </a:solidFill>
-              </a:rPr>
-              <a:t>Prueba y Actualizando Población de Prueba       Problema</a:t>
-            </a:r>
-            <a:r>
-              <a:rPr lang="es-ES" dirty="0">
-                <a:solidFill>
-                  <a:schemeClr val="bg1"/>
-                </a:solidFill>
-              </a:rPr>
-              <a:t>: </a:t>
-            </a:r>
-            <a:r>
-              <a:rPr lang="es-ES" dirty="0" smtClean="0">
-                <a:solidFill>
-                  <a:schemeClr val="bg1"/>
-                </a:solidFill>
-              </a:rPr>
-              <a:t>Poca diversidad</a:t>
+              <a:t>Operador: Torneo ,  NO Población de Prueba                   Problema: Todos iguales</a:t>
             </a:r>
           </a:p>
           <a:p>
@@ -12241,12 +12354,12 @@
               <a:buAutoNum type="arabicPeriod"/>
             </a:pPr>
             <a:r>
-              <a:rPr lang="es-ES" dirty="0" smtClean="0">
+              <a:rPr lang="es-ES" dirty="0">
                 <a:solidFill>
                   <a:schemeClr val="bg1"/>
                 </a:solidFill>
               </a:rPr>
-              <a:t>Añadimos penalización por SD                Problema: Mejora la diversidad pero muy ligeramente</a:t>
+              <a:t> Operador: Torneo , SÍ Población de Prueba                 Problema: Población real no mejora</a:t>
             </a:r>
           </a:p>
           <a:p>
@@ -12272,7 +12385,69 @@
               <a:buAutoNum type="arabicPeriod"/>
             </a:pPr>
             <a:r>
-              <a:rPr lang="es-ES" dirty="0" smtClean="0">
+              <a:rPr lang="es-ES" dirty="0">
+                <a:solidFill>
+                  <a:schemeClr val="bg1"/>
+                </a:solidFill>
+              </a:rPr>
+              <a:t>Operador: Torneo , SÍ Población de Prueba y Actualizando Población de Prueba       Problema: Poca diversidad</a:t>
+            </a:r>
+          </a:p>
+          <a:p>
+            <a:pPr marL="342900" indent="-342900">
+              <a:buClr>
+                <a:schemeClr val="bg1"/>
+              </a:buClr>
+              <a:buFont typeface="Arial"/>
+              <a:buAutoNum type="arabicPeriod"/>
+            </a:pPr>
+            <a:endParaRPr lang="es-ES" dirty="0">
+              <a:solidFill>
+                <a:schemeClr val="bg1"/>
+              </a:solidFill>
+            </a:endParaRPr>
+          </a:p>
+          <a:p>
+            <a:pPr marL="342900" indent="-342900">
+              <a:buClr>
+                <a:schemeClr val="bg1"/>
+              </a:buClr>
+              <a:buFont typeface="Arial"/>
+              <a:buAutoNum type="arabicPeriod"/>
+            </a:pPr>
+            <a:r>
+              <a:rPr lang="es-ES" dirty="0">
+                <a:solidFill>
+                  <a:schemeClr val="bg1"/>
+                </a:solidFill>
+              </a:rPr>
+              <a:t>Añadimos penalización por SD                Problema: Mejora la diversidad pero muy ligeramente</a:t>
+            </a:r>
+          </a:p>
+          <a:p>
+            <a:pPr marL="342900" indent="-342900">
+              <a:buClr>
+                <a:schemeClr val="bg1"/>
+              </a:buClr>
+              <a:buFont typeface="Arial"/>
+              <a:buAutoNum type="arabicPeriod"/>
+            </a:pPr>
+            <a:endParaRPr lang="es-ES" dirty="0">
+              <a:solidFill>
+                <a:schemeClr val="bg1"/>
+              </a:solidFill>
+            </a:endParaRPr>
+          </a:p>
+          <a:p>
+            <a:pPr marL="342900" indent="-342900">
+              <a:buClr>
+                <a:schemeClr val="bg1"/>
+              </a:buClr>
+              <a:buFont typeface="Arial"/>
+              <a:buAutoNum type="arabicPeriod"/>
+            </a:pPr>
+            <a:r>
+              <a:rPr lang="es-ES" dirty="0">
                 <a:solidFill>
                   <a:schemeClr val="bg1"/>
                 </a:solidFill>
@@ -12306,7 +12481,7 @@
             <a:pPr marL="342900" indent="-342900">
               <a:buAutoNum type="arabicPeriod"/>
             </a:pPr>
-            <a:endParaRPr lang="es-ES" dirty="0" smtClean="0">
+            <a:endParaRPr lang="es-ES" dirty="0">
               <a:solidFill>
                 <a:schemeClr val="bg1"/>
               </a:solidFill>
@@ -12703,13 +12878,6 @@
   <p:clrMapOvr>
     <a:masterClrMapping/>
   </p:clrMapOvr>
-  <p:timing>
-    <p:tnLst>
-      <p:par>
-        <p:cTn id="1" dur="indefinite" restart="never" nodeType="tmRoot"/>
-      </p:par>
-    </p:tnLst>
-  </p:timing>
 </p:sld>
 </file>
 
@@ -12793,11 +12961,11 @@
           <a:lstStyle/>
           <a:p>
             <a:r>
-              <a:rPr lang="es-ES" dirty="0" smtClean="0"/>
+              <a:rPr lang="es-ES" dirty="0"/>
               <a:t>Resultados</a:t>
             </a:r>
             <a:r>
-              <a:rPr lang="es-ES" baseline="0" dirty="0" smtClean="0"/>
+              <a:rPr lang="es-ES" baseline="0" dirty="0"/>
               <a:t> Finales</a:t>
             </a:r>
             <a:endParaRPr lang="es-ES" dirty="0"/>
@@ -12809,7 +12977,7 @@
           <p:cNvPr id="14" name="13 Gráfico">
             <a:extLst>
               <a:ext uri="{FF2B5EF4-FFF2-40B4-BE49-F238E27FC236}">
-                <a16:creationId xmlns:wpc="http://schemas.microsoft.com/office/word/2010/wordprocessingCanvas" xmlns:mc="http://schemas.openxmlformats.org/markup-compatibility/2006" xmlns:o="urn:schemas-microsoft-com:office:office" xmlns:m="http://schemas.openxmlformats.org/officeDocument/2006/math" xmlns:v="urn:schemas-microsoft-com:vml" xmlns:wp14="http://schemas.microsoft.com/office/word/2010/wordprocessingDrawing" xmlns:wp="http://schemas.openxmlformats.org/drawingml/2006/wordprocessingDrawing" xmlns:w10="urn:schemas-microsoft-com:office:word" xmlns:w="http://schemas.openxmlformats.org/wordprocessingml/2006/main" xmlns:w14="http://schemas.microsoft.com/office/word/2010/wordml" xmlns:wpg="http://schemas.microsoft.com/office/word/2010/wordprocessingGroup" xmlns:wpi="http://schemas.microsoft.com/office/word/2010/wordprocessingInk" xmlns:wne="http://schemas.microsoft.com/office/word/2006/wordml" xmlns:wps="http://schemas.microsoft.com/office/word/2010/wordprocessingShape" xmlns="" xmlns:xdr="http://schemas.openxmlformats.org/drawingml/2006/spreadsheetDrawing" xmlns:a16="http://schemas.microsoft.com/office/drawing/2014/main" xmlns:lc="http://schemas.openxmlformats.org/drawingml/2006/lockedCanvas" id="{9FEFCD2F-DC03-49A7-AC85-E5CEF900A991}"/>
+                <a16:creationId xmlns:a16="http://schemas.microsoft.com/office/drawing/2014/main" id="{9FEFCD2F-DC03-49A7-AC85-E5CEF900A991}"/>
               </a:ext>
             </a:extLst>
           </p:cNvPr>
@@ -12831,13 +12999,6 @@
   <p:clrMapOvr>
     <a:masterClrMapping/>
   </p:clrMapOvr>
-  <p:timing>
-    <p:tnLst>
-      <p:par>
-        <p:cTn id="1" dur="indefinite" restart="never" nodeType="tmRoot"/>
-      </p:par>
-    </p:tnLst>
-  </p:timing>
 </p:sld>
 </file>
 
